--- a/PPT/04) 3일차-텍스트 분류, 예측 & 텍스트 전처리.pptx
+++ b/PPT/04) 3일차-텍스트 분류, 예측 & 텍스트 전처리.pptx
@@ -216,7 +216,7 @@
           <a:p>
             <a:fld id="{1B6E3774-0E21-4466-89FE-47F912FC75D3}" type="datetimeFigureOut">
               <a:rPr lang="ko-KR" altLang="en-US" smtClean="0"/>
-              <a:t>2020-08-01</a:t>
+              <a:t>2020-08-04</a:t>
             </a:fld>
             <a:endParaRPr lang="ko-KR" altLang="en-US"/>
           </a:p>
@@ -1040,7 +1040,7 @@
           <a:p>
             <a:fld id="{ACDEFF3B-8A07-4FB1-9BE4-BDB72A1F7CD9}" type="datetimeFigureOut">
               <a:rPr lang="ko-KR" altLang="en-US" smtClean="0"/>
-              <a:t>2020-08-01</a:t>
+              <a:t>2020-08-04</a:t>
             </a:fld>
             <a:endParaRPr lang="ko-KR" altLang="en-US"/>
           </a:p>
@@ -1210,7 +1210,7 @@
           <a:p>
             <a:fld id="{ACDEFF3B-8A07-4FB1-9BE4-BDB72A1F7CD9}" type="datetimeFigureOut">
               <a:rPr lang="ko-KR" altLang="en-US" smtClean="0"/>
-              <a:t>2020-08-01</a:t>
+              <a:t>2020-08-04</a:t>
             </a:fld>
             <a:endParaRPr lang="ko-KR" altLang="en-US"/>
           </a:p>
@@ -1390,7 +1390,7 @@
           <a:p>
             <a:fld id="{ACDEFF3B-8A07-4FB1-9BE4-BDB72A1F7CD9}" type="datetimeFigureOut">
               <a:rPr lang="ko-KR" altLang="en-US" smtClean="0"/>
-              <a:t>2020-08-01</a:t>
+              <a:t>2020-08-04</a:t>
             </a:fld>
             <a:endParaRPr lang="ko-KR" altLang="en-US"/>
           </a:p>
@@ -1560,7 +1560,7 @@
           <a:p>
             <a:fld id="{ACDEFF3B-8A07-4FB1-9BE4-BDB72A1F7CD9}" type="datetimeFigureOut">
               <a:rPr lang="ko-KR" altLang="en-US" smtClean="0"/>
-              <a:t>2020-08-01</a:t>
+              <a:t>2020-08-04</a:t>
             </a:fld>
             <a:endParaRPr lang="ko-KR" altLang="en-US"/>
           </a:p>
@@ -1806,7 +1806,7 @@
           <a:p>
             <a:fld id="{ACDEFF3B-8A07-4FB1-9BE4-BDB72A1F7CD9}" type="datetimeFigureOut">
               <a:rPr lang="ko-KR" altLang="en-US" smtClean="0"/>
-              <a:t>2020-08-01</a:t>
+              <a:t>2020-08-04</a:t>
             </a:fld>
             <a:endParaRPr lang="ko-KR" altLang="en-US"/>
           </a:p>
@@ -2038,7 +2038,7 @@
           <a:p>
             <a:fld id="{ACDEFF3B-8A07-4FB1-9BE4-BDB72A1F7CD9}" type="datetimeFigureOut">
               <a:rPr lang="ko-KR" altLang="en-US" smtClean="0"/>
-              <a:t>2020-08-01</a:t>
+              <a:t>2020-08-04</a:t>
             </a:fld>
             <a:endParaRPr lang="ko-KR" altLang="en-US"/>
           </a:p>
@@ -2405,7 +2405,7 @@
           <a:p>
             <a:fld id="{ACDEFF3B-8A07-4FB1-9BE4-BDB72A1F7CD9}" type="datetimeFigureOut">
               <a:rPr lang="ko-KR" altLang="en-US" smtClean="0"/>
-              <a:t>2020-08-01</a:t>
+              <a:t>2020-08-04</a:t>
             </a:fld>
             <a:endParaRPr lang="ko-KR" altLang="en-US"/>
           </a:p>
@@ -2523,7 +2523,7 @@
           <a:p>
             <a:fld id="{ACDEFF3B-8A07-4FB1-9BE4-BDB72A1F7CD9}" type="datetimeFigureOut">
               <a:rPr lang="ko-KR" altLang="en-US" smtClean="0"/>
-              <a:t>2020-08-01</a:t>
+              <a:t>2020-08-04</a:t>
             </a:fld>
             <a:endParaRPr lang="ko-KR" altLang="en-US"/>
           </a:p>
@@ -2618,7 +2618,7 @@
           <a:p>
             <a:fld id="{ACDEFF3B-8A07-4FB1-9BE4-BDB72A1F7CD9}" type="datetimeFigureOut">
               <a:rPr lang="ko-KR" altLang="en-US" smtClean="0"/>
-              <a:t>2020-08-01</a:t>
+              <a:t>2020-08-04</a:t>
             </a:fld>
             <a:endParaRPr lang="ko-KR" altLang="en-US"/>
           </a:p>
@@ -2895,7 +2895,7 @@
           <a:p>
             <a:fld id="{ACDEFF3B-8A07-4FB1-9BE4-BDB72A1F7CD9}" type="datetimeFigureOut">
               <a:rPr lang="ko-KR" altLang="en-US" smtClean="0"/>
-              <a:t>2020-08-01</a:t>
+              <a:t>2020-08-04</a:t>
             </a:fld>
             <a:endParaRPr lang="ko-KR" altLang="en-US"/>
           </a:p>
@@ -3148,7 +3148,7 @@
           <a:p>
             <a:fld id="{ACDEFF3B-8A07-4FB1-9BE4-BDB72A1F7CD9}" type="datetimeFigureOut">
               <a:rPr lang="ko-KR" altLang="en-US" smtClean="0"/>
-              <a:t>2020-08-01</a:t>
+              <a:t>2020-08-04</a:t>
             </a:fld>
             <a:endParaRPr lang="ko-KR" altLang="en-US"/>
           </a:p>
@@ -3361,7 +3361,7 @@
           <a:p>
             <a:fld id="{ACDEFF3B-8A07-4FB1-9BE4-BDB72A1F7CD9}" type="datetimeFigureOut">
               <a:rPr lang="ko-KR" altLang="en-US" smtClean="0"/>
-              <a:t>2020-08-01</a:t>
+              <a:t>2020-08-04</a:t>
             </a:fld>
             <a:endParaRPr lang="ko-KR" altLang="en-US"/>
           </a:p>
@@ -8227,11 +8227,7 @@
             </a:r>
             <a:r>
               <a:rPr lang="ko-KR" altLang="en-US" sz="2000" dirty="0" smtClean="0"/>
-              <a:t>을 만들어 각 단어의 위치를 고유의 정수로 </a:t>
-            </a:r>
-            <a:r>
-              <a:rPr lang="ko-KR" altLang="en-US" sz="2000" dirty="0" smtClean="0"/>
-              <a:t>할당</a:t>
+              <a:t>을 만들어 각 단어의 위치를 고유의 정수로 할당</a:t>
             </a:r>
             <a:r>
               <a:rPr lang="en-US" altLang="ko-KR" sz="2000" dirty="0" smtClean="0"/>
@@ -8249,7 +8245,6 @@
               <a:rPr lang="en-US" altLang="ko-KR" sz="2000" dirty="0" smtClean="0"/>
               <a:t>)</a:t>
             </a:r>
-            <a:endParaRPr lang="en-US" altLang="ko-KR" sz="2000" dirty="0" smtClean="0"/>
           </a:p>
           <a:p>
             <a:pPr marL="285750" indent="-285750">
@@ -8670,11 +8665,7 @@
             </a:pPr>
             <a:r>
               <a:rPr lang="en-US" altLang="ko-KR" dirty="0" smtClean="0"/>
-              <a:t>Tokens_1 </a:t>
-            </a:r>
-            <a:r>
-              <a:rPr lang="en-US" altLang="ko-KR" dirty="0" smtClean="0"/>
-              <a:t>= (0, 1, 2, 3, 4, 5, 6, 7)</a:t>
+              <a:t>Tokens_1 = (0, 1, 2, 3, 4, 5, 6, 7)</a:t>
             </a:r>
           </a:p>
           <a:p>
@@ -9056,7 +9047,6 @@
               <a:rPr lang="en-US" altLang="ko-KR" sz="2000" dirty="0" smtClean="0"/>
               <a:t>)</a:t>
             </a:r>
-            <a:endParaRPr lang="en-US" altLang="ko-KR" sz="2000" dirty="0" smtClean="0"/>
           </a:p>
           <a:p>
             <a:pPr marL="285750" indent="-285750">
@@ -9080,11 +9070,7 @@
             </a:r>
             <a:r>
               <a:rPr lang="en-US" altLang="ko-KR" dirty="0" smtClean="0"/>
-              <a:t> </a:t>
-            </a:r>
-            <a:r>
-              <a:rPr lang="en-US" altLang="ko-KR" dirty="0" smtClean="0"/>
-              <a:t>= (0:“</a:t>
+              <a:t> = (0:“</a:t>
             </a:r>
             <a:r>
               <a:rPr lang="ko-KR" altLang="en-US" dirty="0"/>
@@ -9260,15 +9246,7 @@
             </a:pPr>
             <a:r>
               <a:rPr lang="en-US" altLang="ko-KR" dirty="0" smtClean="0"/>
-              <a:t>Tokens_1 </a:t>
-            </a:r>
-            <a:r>
-              <a:rPr lang="en-US" altLang="ko-KR" dirty="0" smtClean="0"/>
-              <a:t>= (0, 1, 2, 3, 4, 5, 6, 7</a:t>
-            </a:r>
-            <a:r>
-              <a:rPr lang="en-US" altLang="ko-KR" dirty="0" smtClean="0"/>
-              <a:t>)</a:t>
+              <a:t>Tokens_1 = (0, 1, 2, 3, 4, 5, 6, 7)</a:t>
             </a:r>
             <a:endParaRPr lang="en-US" altLang="ko-KR" sz="1000" dirty="0" smtClean="0"/>
           </a:p>
@@ -9279,11 +9257,7 @@
             </a:pPr>
             <a:r>
               <a:rPr lang="en-US" altLang="ko-KR" dirty="0" smtClean="0"/>
-              <a:t>Tokens_2 = (2, 3, 8, 9, 10</a:t>
-            </a:r>
-            <a:r>
-              <a:rPr lang="en-US" altLang="ko-KR" dirty="0" smtClean="0"/>
-              <a:t>)</a:t>
+              <a:t>Tokens_2 = (2, 3, 8, 9, 10)</a:t>
             </a:r>
             <a:endParaRPr lang="en-US" altLang="ko-KR" sz="1000" dirty="0" smtClean="0"/>
           </a:p>
@@ -9294,11 +9268,7 @@
             </a:pPr>
             <a:r>
               <a:rPr lang="en-US" altLang="ko-KR" dirty="0" smtClean="0"/>
-              <a:t>Tokens_3 = (2, 3, 11, 12, 13, 14, 15, 16, 10</a:t>
-            </a:r>
-            <a:r>
-              <a:rPr lang="en-US" altLang="ko-KR" dirty="0" smtClean="0"/>
-              <a:t>)</a:t>
+              <a:t>Tokens_3 = (2, 3, 11, 12, 13, 14, 15, 16, 10)</a:t>
             </a:r>
           </a:p>
           <a:p>
@@ -11942,29 +11912,18 @@
           <a:lstStyle/>
           <a:p>
             <a:r>
-              <a:rPr lang="en-US" altLang="ko-KR" sz="3200" spc="300" dirty="0">
-                <a:solidFill>
-                  <a:schemeClr val="tx1"/>
-                </a:solidFill>
-              </a:rPr>
-              <a:t>RNN &amp; </a:t>
-            </a:r>
-            <a:r>
-              <a:rPr lang="ko-KR" altLang="en-US" sz="3200" spc="300" dirty="0" err="1">
-                <a:solidFill>
-                  <a:schemeClr val="tx1"/>
-                </a:solidFill>
-              </a:rPr>
-              <a:t>시계열</a:t>
-            </a:r>
-            <a:r>
               <a:rPr lang="ko-KR" altLang="en-US" sz="3200" spc="300" dirty="0">
                 <a:solidFill>
                   <a:schemeClr val="tx1"/>
                 </a:solidFill>
               </a:rPr>
-              <a:t> 데이터</a:t>
-            </a:r>
+              <a:t>텍스트 처리</a:t>
+            </a:r>
+            <a:endParaRPr lang="ko-KR" altLang="en-US" sz="3200" spc="300" dirty="0">
+              <a:solidFill>
+                <a:schemeClr val="tx1"/>
+              </a:solidFill>
+            </a:endParaRPr>
           </a:p>
         </p:txBody>
       </p:sp>
